--- a/Progress.pptx
+++ b/Progress.pptx
@@ -205,7 +205,7 @@
           <a:p>
             <a:fld id="{5BBFE379-83FF-436F-B201-8239DD1C50F1}" type="datetimeFigureOut">
               <a:rPr lang="en-AU" smtClean="0"/>
-              <a:t>18/03/2021</a:t>
+              <a:t>10/04/2022</a:t>
             </a:fld>
             <a:endParaRPr lang="en-AU"/>
           </a:p>
@@ -706,7 +706,7 @@
           <a:p>
             <a:fld id="{95462B43-7ECB-40C4-BE21-FB86CF45CBCF}" type="datetimeFigureOut">
               <a:rPr lang="en-AU" smtClean="0"/>
-              <a:t>18/03/2021</a:t>
+              <a:t>10/04/2022</a:t>
             </a:fld>
             <a:endParaRPr lang="en-AU"/>
           </a:p>
@@ -906,7 +906,7 @@
           <a:p>
             <a:fld id="{95462B43-7ECB-40C4-BE21-FB86CF45CBCF}" type="datetimeFigureOut">
               <a:rPr lang="en-AU" smtClean="0"/>
-              <a:t>18/03/2021</a:t>
+              <a:t>10/04/2022</a:t>
             </a:fld>
             <a:endParaRPr lang="en-AU"/>
           </a:p>
@@ -1116,7 +1116,7 @@
           <a:p>
             <a:fld id="{95462B43-7ECB-40C4-BE21-FB86CF45CBCF}" type="datetimeFigureOut">
               <a:rPr lang="en-AU" smtClean="0"/>
-              <a:t>18/03/2021</a:t>
+              <a:t>10/04/2022</a:t>
             </a:fld>
             <a:endParaRPr lang="en-AU"/>
           </a:p>
@@ -1316,7 +1316,7 @@
           <a:p>
             <a:fld id="{95462B43-7ECB-40C4-BE21-FB86CF45CBCF}" type="datetimeFigureOut">
               <a:rPr lang="en-AU" smtClean="0"/>
-              <a:t>18/03/2021</a:t>
+              <a:t>10/04/2022</a:t>
             </a:fld>
             <a:endParaRPr lang="en-AU"/>
           </a:p>
@@ -1592,7 +1592,7 @@
           <a:p>
             <a:fld id="{95462B43-7ECB-40C4-BE21-FB86CF45CBCF}" type="datetimeFigureOut">
               <a:rPr lang="en-AU" smtClean="0"/>
-              <a:t>18/03/2021</a:t>
+              <a:t>10/04/2022</a:t>
             </a:fld>
             <a:endParaRPr lang="en-AU"/>
           </a:p>
@@ -1860,7 +1860,7 @@
           <a:p>
             <a:fld id="{95462B43-7ECB-40C4-BE21-FB86CF45CBCF}" type="datetimeFigureOut">
               <a:rPr lang="en-AU" smtClean="0"/>
-              <a:t>18/03/2021</a:t>
+              <a:t>10/04/2022</a:t>
             </a:fld>
             <a:endParaRPr lang="en-AU"/>
           </a:p>
@@ -2275,7 +2275,7 @@
           <a:p>
             <a:fld id="{95462B43-7ECB-40C4-BE21-FB86CF45CBCF}" type="datetimeFigureOut">
               <a:rPr lang="en-AU" smtClean="0"/>
-              <a:t>18/03/2021</a:t>
+              <a:t>10/04/2022</a:t>
             </a:fld>
             <a:endParaRPr lang="en-AU"/>
           </a:p>
@@ -2417,7 +2417,7 @@
           <a:p>
             <a:fld id="{95462B43-7ECB-40C4-BE21-FB86CF45CBCF}" type="datetimeFigureOut">
               <a:rPr lang="en-AU" smtClean="0"/>
-              <a:t>18/03/2021</a:t>
+              <a:t>10/04/2022</a:t>
             </a:fld>
             <a:endParaRPr lang="en-AU"/>
           </a:p>
@@ -2530,7 +2530,7 @@
           <a:p>
             <a:fld id="{95462B43-7ECB-40C4-BE21-FB86CF45CBCF}" type="datetimeFigureOut">
               <a:rPr lang="en-AU" smtClean="0"/>
-              <a:t>18/03/2021</a:t>
+              <a:t>10/04/2022</a:t>
             </a:fld>
             <a:endParaRPr lang="en-AU"/>
           </a:p>
@@ -2843,7 +2843,7 @@
           <a:p>
             <a:fld id="{95462B43-7ECB-40C4-BE21-FB86CF45CBCF}" type="datetimeFigureOut">
               <a:rPr lang="en-AU" smtClean="0"/>
-              <a:t>18/03/2021</a:t>
+              <a:t>10/04/2022</a:t>
             </a:fld>
             <a:endParaRPr lang="en-AU"/>
           </a:p>
@@ -3132,7 +3132,7 @@
           <a:p>
             <a:fld id="{95462B43-7ECB-40C4-BE21-FB86CF45CBCF}" type="datetimeFigureOut">
               <a:rPr lang="en-AU" smtClean="0"/>
-              <a:t>18/03/2021</a:t>
+              <a:t>10/04/2022</a:t>
             </a:fld>
             <a:endParaRPr lang="en-AU"/>
           </a:p>
@@ -3375,7 +3375,7 @@
           <a:p>
             <a:fld id="{95462B43-7ECB-40C4-BE21-FB86CF45CBCF}" type="datetimeFigureOut">
               <a:rPr lang="en-AU" smtClean="0"/>
-              <a:t>18/03/2021</a:t>
+              <a:t>10/04/2022</a:t>
             </a:fld>
             <a:endParaRPr lang="en-AU"/>
           </a:p>
@@ -5979,7 +5979,7 @@
             <p:ph idx="1"/>
             <p:extLst>
               <p:ext uri="{D42A27DB-BD31-4B8C-83A1-F6EECF244321}">
-                <p14:modId xmlns:p14="http://schemas.microsoft.com/office/powerpoint/2010/main" val="3434468467"/>
+                <p14:modId xmlns:p14="http://schemas.microsoft.com/office/powerpoint/2010/main" val="2659080406"/>
               </p:ext>
             </p:extLst>
           </p:nvPr>
@@ -6145,7 +6145,7 @@
                     <a:p>
                       <a:r>
                         <a:rPr lang="en-AU" sz="1200" dirty="0"/>
-                        <a:t>Half done</a:t>
+                        <a:t>Base class</a:t>
                       </a:r>
                     </a:p>
                   </a:txBody>
